--- a/dominance_in_dialogue/figs/utterances_v2.pptx
+++ b/dominance_in_dialogue/figs/utterances_v2.pptx
@@ -11,6 +11,7 @@
     <p:sldId id="258" r:id="rId6"/>
     <p:sldId id="259" r:id="rId7"/>
     <p:sldId id="260" r:id="rId8"/>
+    <p:sldId id="261" r:id="rId9"/>
   </p:sldIdLst>
   <p:sldSz cx="9144000" cy="6858000"/>
   <p:notesSz cx="7559675" cy="10691812"/>
@@ -2470,7 +2471,7 @@
                 <a:spcPct val="100000"/>
               </a:lnSpc>
             </a:pPr>
-            <a:fld id="{7A2F651C-27ED-4A88-B197-0A72ABB3F64A}" type="slidenum">
+            <a:fld id="{0DD404BA-441E-475D-A071-1C952F5B8B11}" type="slidenum">
               <a:rPr lang="fr-FR" sz="1200">
                 <a:solidFill>
                   <a:srgbClr val="8b8b8b"/>
@@ -3001,7 +3002,7 @@
                 <a:spcPct val="100000"/>
               </a:lnSpc>
             </a:pPr>
-            <a:fld id="{5B7C5086-986C-40A8-8CEF-FD89A8AFACDB}" type="slidenum">
+            <a:fld id="{B8754612-F1CF-49E5-810B-D66F072F8AB0}" type="slidenum">
               <a:rPr lang="fr-FR" sz="1200">
                 <a:solidFill>
                   <a:srgbClr val="8b8b8b"/>
@@ -5408,52 +5409,6 @@
         </p:nvSpPr>
         <p:spPr>
           <a:xfrm>
-            <a:off x="107640" y="2886480"/>
-            <a:ext cx="1188360" cy="516600"/>
-          </a:xfrm>
-          <a:prstGeom prst="rect">
-            <a:avLst/>
-          </a:prstGeom>
-          <a:noFill/>
-          <a:ln>
-            <a:solidFill>
-              <a:srgbClr val="000000"/>
-            </a:solidFill>
-          </a:ln>
-        </p:spPr>
-      </p:sp>
-      <p:sp>
-        <p:nvSpPr>
-          <p:cNvPr id="132" name="CustomShape 6"/>
-          <p:cNvSpPr/>
-          <p:nvPr/>
-        </p:nvSpPr>
-        <p:spPr>
-          <a:xfrm flipH="1">
-            <a:off x="702000" y="1062000"/>
-            <a:ext cx="3870720" cy="1824120"/>
-          </a:xfrm>
-          <a:prstGeom prst="straightConnector1">
-            <a:avLst/>
-          </a:prstGeom>
-          <a:noFill/>
-          <a:ln w="9360">
-            <a:solidFill>
-              <a:srgbClr val="000000"/>
-            </a:solidFill>
-            <a:round/>
-            <a:tailEnd len="med" type="arrow" w="med"/>
-          </a:ln>
-        </p:spPr>
-      </p:sp>
-      <p:sp>
-        <p:nvSpPr>
-          <p:cNvPr id="133" name="CustomShape 7"/>
-          <p:cNvSpPr/>
-          <p:nvPr/>
-        </p:nvSpPr>
-        <p:spPr>
-          <a:xfrm>
             <a:off x="1650240" y="4259880"/>
             <a:ext cx="1223640" cy="569520"/>
           </a:xfrm>
@@ -5510,7 +5465,7 @@
       </p:sp>
       <p:sp>
         <p:nvSpPr>
-          <p:cNvPr id="134" name="CustomShape 8"/>
+          <p:cNvPr id="132" name="CustomShape 6"/>
           <p:cNvSpPr/>
           <p:nvPr/>
         </p:nvSpPr>
@@ -5552,7 +5507,7 @@
       </p:sp>
       <p:sp>
         <p:nvSpPr>
-          <p:cNvPr id="135" name="CustomShape 9"/>
+          <p:cNvPr id="133" name="CustomShape 7"/>
           <p:cNvSpPr/>
           <p:nvPr/>
         </p:nvSpPr>
@@ -5596,7 +5551,7 @@
       </p:sp>
       <p:sp>
         <p:nvSpPr>
-          <p:cNvPr id="136" name="CustomShape 10"/>
+          <p:cNvPr id="134" name="CustomShape 8"/>
           <p:cNvSpPr/>
           <p:nvPr/>
         </p:nvSpPr>
@@ -5655,7 +5610,7 @@
       </p:sp>
       <p:sp>
         <p:nvSpPr>
-          <p:cNvPr id="137" name="CustomShape 11"/>
+          <p:cNvPr id="135" name="CustomShape 9"/>
           <p:cNvSpPr/>
           <p:nvPr/>
         </p:nvSpPr>
@@ -5700,7 +5655,7 @@
       </p:sp>
       <p:sp>
         <p:nvSpPr>
-          <p:cNvPr id="138" name="CustomShape 12"/>
+          <p:cNvPr id="136" name="CustomShape 10"/>
           <p:cNvSpPr/>
           <p:nvPr/>
         </p:nvSpPr>
@@ -5745,7 +5700,7 @@
       </p:sp>
       <p:sp>
         <p:nvSpPr>
-          <p:cNvPr id="139" name="CustomShape 13"/>
+          <p:cNvPr id="137" name="CustomShape 11"/>
           <p:cNvSpPr/>
           <p:nvPr/>
         </p:nvSpPr>
@@ -5793,7 +5748,7 @@
       </p:sp>
       <p:sp>
         <p:nvSpPr>
-          <p:cNvPr id="140" name="CustomShape 14"/>
+          <p:cNvPr id="138" name="CustomShape 12"/>
           <p:cNvSpPr/>
           <p:nvPr/>
         </p:nvSpPr>
@@ -5837,7 +5792,7 @@
       </p:sp>
       <p:sp>
         <p:nvSpPr>
-          <p:cNvPr id="141" name="CustomShape 15"/>
+          <p:cNvPr id="139" name="CustomShape 13"/>
           <p:cNvSpPr/>
           <p:nvPr/>
         </p:nvSpPr>
@@ -5861,7 +5816,7 @@
       </p:sp>
       <p:sp>
         <p:nvSpPr>
-          <p:cNvPr id="142" name="CustomShape 16"/>
+          <p:cNvPr id="140" name="CustomShape 14"/>
           <p:cNvSpPr/>
           <p:nvPr/>
         </p:nvSpPr>
@@ -5895,15 +5850,15 @@
                 </a:solidFill>
                 <a:latin typeface="Calibri"/>
               </a:rPr>
-              <a:t>Propose (ProposalO)</a:t>
-            </a:r>
-            <a:endParaRPr/>
-          </a:p>
-        </p:txBody>
-      </p:sp>
-      <p:sp>
-        <p:nvSpPr>
-          <p:cNvPr id="143" name="CustomShape 17"/>
+              <a:t>Propose (Proposal')</a:t>
+            </a:r>
+            <a:endParaRPr/>
+          </a:p>
+        </p:txBody>
+      </p:sp>
+      <p:sp>
+        <p:nvSpPr>
+          <p:cNvPr id="141" name="CustomShape 15"/>
           <p:cNvSpPr/>
           <p:nvPr/>
         </p:nvSpPr>
@@ -5947,7 +5902,7 @@
       </p:sp>
       <p:sp>
         <p:nvSpPr>
-          <p:cNvPr id="144" name="CustomShape 18"/>
+          <p:cNvPr id="142" name="CustomShape 16"/>
           <p:cNvSpPr/>
           <p:nvPr/>
         </p:nvSpPr>
@@ -6008,7 +5963,7 @@
       </p:sp>
       <p:sp>
         <p:nvSpPr>
-          <p:cNvPr id="145" name="CustomShape 19"/>
+          <p:cNvPr id="143" name="CustomShape 17"/>
           <p:cNvSpPr/>
           <p:nvPr/>
         </p:nvSpPr>
@@ -6118,14 +6073,14 @@
       </p:grpSpPr>
       <p:sp>
         <p:nvSpPr>
-          <p:cNvPr id="146" name="CustomShape 1"/>
+          <p:cNvPr id="144" name="CustomShape 1"/>
           <p:cNvSpPr/>
           <p:nvPr/>
         </p:nvSpPr>
         <p:spPr>
           <a:xfrm>
             <a:off x="3529080" y="692640"/>
-            <a:ext cx="2088000" cy="333720"/>
+            <a:ext cx="2088000" cy="515880"/>
           </a:xfrm>
           <a:prstGeom prst="rect">
             <a:avLst/>
@@ -6140,168 +6095,43 @@
         <p:txBody>
           <a:bodyPr lIns="90000" rIns="90000" tIns="45000" bIns="45000"/>
           <a:p>
-            <a:pPr algn="ctr">
-              <a:lnSpc>
-                <a:spcPct val="100000"/>
-              </a:lnSpc>
-            </a:pPr>
-            <a:r>
-              <a:rPr lang="fr-FR" sz="1600">
+            <a:pPr algn="ctr"/>
+            <a:r>
+              <a:rPr lang="fr-FR" sz="1400">
                 <a:solidFill>
                   <a:srgbClr val="000000"/>
                 </a:solidFill>
                 <a:latin typeface="Calibri"/>
               </a:rPr>
-              <a:t>Reject(Option)</a:t>
-            </a:r>
-            <a:endParaRPr/>
-          </a:p>
-        </p:txBody>
-      </p:sp>
-      <p:sp>
-        <p:nvSpPr>
-          <p:cNvPr id="147" name="CustomShape 2"/>
-          <p:cNvSpPr/>
-          <p:nvPr/>
-        </p:nvSpPr>
-        <p:spPr>
-          <a:xfrm>
-            <a:off x="4573080" y="1062000"/>
-            <a:ext cx="3431160" cy="1796760"/>
-          </a:xfrm>
-          <a:prstGeom prst="straightConnector1">
-            <a:avLst/>
-          </a:prstGeom>
-          <a:noFill/>
-          <a:ln w="9360">
-            <a:solidFill>
-              <a:srgbClr val="000000"/>
-            </a:solidFill>
-            <a:round/>
-            <a:tailEnd len="med" type="arrow" w="med"/>
-          </a:ln>
-        </p:spPr>
-      </p:sp>
-      <p:sp>
-        <p:nvSpPr>
-          <p:cNvPr id="148" name="CustomShape 3"/>
-          <p:cNvSpPr/>
-          <p:nvPr/>
-        </p:nvSpPr>
-        <p:spPr>
-          <a:xfrm flipH="1">
-            <a:off x="2262240" y="1062000"/>
-            <a:ext cx="2310480" cy="1790640"/>
-          </a:xfrm>
-          <a:prstGeom prst="straightConnector1">
-            <a:avLst/>
-          </a:prstGeom>
-          <a:noFill/>
-          <a:ln w="9360">
-            <a:solidFill>
-              <a:srgbClr val="000000"/>
-            </a:solidFill>
-            <a:round/>
-            <a:tailEnd len="med" type="arrow" w="med"/>
-          </a:ln>
-        </p:spPr>
-      </p:sp>
-      <p:sp>
-        <p:nvSpPr>
-          <p:cNvPr id="149" name="CustomShape 4"/>
-          <p:cNvSpPr/>
-          <p:nvPr/>
-        </p:nvSpPr>
-        <p:spPr>
-          <a:xfrm flipH="1">
-            <a:off x="4224600" y="1062000"/>
-            <a:ext cx="347400" cy="1790640"/>
-          </a:xfrm>
-          <a:prstGeom prst="straightConnector1">
-            <a:avLst/>
-          </a:prstGeom>
-          <a:noFill/>
-          <a:ln w="9360">
-            <a:solidFill>
-              <a:srgbClr val="000000"/>
-            </a:solidFill>
-            <a:round/>
-            <a:tailEnd len="med" type="arrow" w="med"/>
-          </a:ln>
-        </p:spPr>
-      </p:sp>
-      <p:sp>
-        <p:nvSpPr>
-          <p:cNvPr id="150" name="CustomShape 5"/>
-          <p:cNvSpPr/>
-          <p:nvPr/>
-        </p:nvSpPr>
-        <p:spPr>
-          <a:xfrm>
-            <a:off x="1650240" y="4259880"/>
-            <a:ext cx="1223640" cy="569520"/>
-          </a:xfrm>
-          <a:prstGeom prst="rect">
-            <a:avLst/>
-          </a:prstGeom>
-          <a:solidFill>
-            <a:srgbClr val="9bbb59"/>
-          </a:solidFill>
-          <a:ln w="25560">
-            <a:solidFill>
-              <a:srgbClr val="728a41"/>
-            </a:solidFill>
-            <a:round/>
-          </a:ln>
-        </p:spPr>
-        <p:txBody>
-          <a:bodyPr lIns="90000" rIns="90000" tIns="45000" bIns="45000" anchor="ctr"/>
-          <a:p>
-            <a:pPr algn="ctr">
-              <a:lnSpc>
-                <a:spcPct val="100000"/>
-              </a:lnSpc>
-            </a:pPr>
-            <a:r>
-              <a:rPr b="1" lang="fr-FR" sz="1400">
-                <a:solidFill>
-                  <a:srgbClr val="ffffff"/>
-                </a:solidFill>
-                <a:latin typeface="Calibri"/>
-              </a:rPr>
-              <a:t>Demands</a:t>
-            </a:r>
-            <a:endParaRPr/>
-          </a:p>
-          <a:p>
-            <a:pPr algn="ctr">
-              <a:lnSpc>
-                <a:spcPct val="100000"/>
-              </a:lnSpc>
-            </a:pPr>
-            <a:r>
-              <a:rPr b="1" lang="fr-FR" sz="1400">
-                <a:solidFill>
-                  <a:srgbClr val="ffffff"/>
-                </a:solidFill>
-                <a:latin typeface="Calibri"/>
-              </a:rPr>
-              <a:t>Other</a:t>
-            </a:r>
-            <a:endParaRPr/>
-          </a:p>
-        </p:txBody>
-      </p:sp>
-      <p:sp>
-        <p:nvSpPr>
-          <p:cNvPr id="151" name="CustomShape 6"/>
-          <p:cNvSpPr/>
-          <p:nvPr/>
-        </p:nvSpPr>
-        <p:spPr>
-          <a:xfrm>
-            <a:off x="1547640" y="2853000"/>
-            <a:ext cx="1428480" cy="516600"/>
+              <a:t>AskPreference</a:t>
+            </a:r>
+            <a:endParaRPr/>
+          </a:p>
+          <a:p>
+            <a:pPr algn="ctr"/>
+            <a:r>
+              <a:rPr lang="fr-FR" sz="1400">
+                <a:solidFill>
+                  <a:srgbClr val="000000"/>
+                </a:solidFill>
+                <a:latin typeface="Calibri"/>
+              </a:rPr>
+              <a:t>(less,more)</a:t>
+            </a:r>
+            <a:endParaRPr/>
+          </a:p>
+        </p:txBody>
+      </p:sp>
+      <p:sp>
+        <p:nvSpPr>
+          <p:cNvPr id="145" name="CustomShape 2"/>
+          <p:cNvSpPr/>
+          <p:nvPr/>
+        </p:nvSpPr>
+        <p:spPr>
+          <a:xfrm>
+            <a:off x="3528000" y="2893320"/>
+            <a:ext cx="1989000" cy="515880"/>
           </a:xfrm>
           <a:prstGeom prst="rect">
             <a:avLst/>
@@ -6316,241 +6146,6 @@
         <p:txBody>
           <a:bodyPr lIns="90000" rIns="90000" tIns="45000" bIns="45000"/>
           <a:p>
-            <a:pPr algn="ctr">
-              <a:lnSpc>
-                <a:spcPct val="100000"/>
-              </a:lnSpc>
-            </a:pPr>
-            <a:r>
-              <a:rPr lang="fr-FR" sz="1400">
-                <a:solidFill>
-                  <a:srgbClr val="000000"/>
-                </a:solidFill>
-                <a:latin typeface="Calibri"/>
-              </a:rPr>
-              <a:t>Propose (Proposal)</a:t>
-            </a:r>
-            <a:endParaRPr/>
-          </a:p>
-        </p:txBody>
-      </p:sp>
-      <p:sp>
-        <p:nvSpPr>
-          <p:cNvPr id="152" name="CustomShape 7"/>
-          <p:cNvSpPr/>
-          <p:nvPr/>
-        </p:nvSpPr>
-        <p:spPr>
-          <a:xfrm>
-            <a:off x="1650240" y="3710880"/>
-            <a:ext cx="1223640" cy="431640"/>
-          </a:xfrm>
-          <a:prstGeom prst="rect">
-            <a:avLst/>
-          </a:prstGeom>
-          <a:solidFill>
-            <a:srgbClr val="4f81bd"/>
-          </a:solidFill>
-          <a:ln>
-            <a:solidFill>
-              <a:srgbClr val="3a5f8b"/>
-            </a:solidFill>
-          </a:ln>
-        </p:spPr>
-        <p:txBody>
-          <a:bodyPr lIns="77040" rIns="77040" tIns="32040" bIns="32040" anchor="ctr"/>
-          <a:p>
-            <a:pPr algn="ctr">
-              <a:lnSpc>
-                <a:spcPct val="100000"/>
-              </a:lnSpc>
-            </a:pPr>
-            <a:r>
-              <a:rPr lang="fr-FR" sz="1400">
-                <a:solidFill>
-                  <a:srgbClr val="ffffff"/>
-                </a:solidFill>
-                <a:latin typeface="Calibri"/>
-              </a:rPr>
-              <a:t>isDom()</a:t>
-            </a:r>
-            <a:endParaRPr/>
-          </a:p>
-        </p:txBody>
-      </p:sp>
-      <p:sp>
-        <p:nvSpPr>
-          <p:cNvPr id="153" name="CustomShape 8"/>
-          <p:cNvSpPr/>
-          <p:nvPr/>
-        </p:nvSpPr>
-        <p:spPr>
-          <a:xfrm>
-            <a:off x="7103880" y="2859120"/>
-            <a:ext cx="1800720" cy="516600"/>
-          </a:xfrm>
-          <a:prstGeom prst="rect">
-            <a:avLst/>
-          </a:prstGeom>
-          <a:noFill/>
-          <a:ln>
-            <a:solidFill>
-              <a:srgbClr val="000000"/>
-            </a:solidFill>
-          </a:ln>
-        </p:spPr>
-        <p:txBody>
-          <a:bodyPr lIns="90000" rIns="90000" tIns="45000" bIns="45000"/>
-          <a:p>
-            <a:pPr algn="ctr">
-              <a:lnSpc>
-                <a:spcPct val="100000"/>
-              </a:lnSpc>
-            </a:pPr>
-            <a:r>
-              <a:rPr lang="fr-FR" sz="1400">
-                <a:solidFill>
-                  <a:srgbClr val="000000"/>
-                </a:solidFill>
-                <a:latin typeface="Calibri"/>
-              </a:rPr>
-              <a:t>AskPreference</a:t>
-            </a:r>
-            <a:endParaRPr/>
-          </a:p>
-          <a:p>
-            <a:pPr algn="ctr">
-              <a:lnSpc>
-                <a:spcPct val="100000"/>
-              </a:lnSpc>
-            </a:pPr>
-            <a:r>
-              <a:rPr lang="fr-FR" sz="1400">
-                <a:solidFill>
-                  <a:srgbClr val="000000"/>
-                </a:solidFill>
-                <a:latin typeface="Calibri"/>
-              </a:rPr>
-              <a:t>(less,more)</a:t>
-            </a:r>
-            <a:endParaRPr/>
-          </a:p>
-        </p:txBody>
-      </p:sp>
-      <p:sp>
-        <p:nvSpPr>
-          <p:cNvPr id="154" name="CustomShape 9"/>
-          <p:cNvSpPr/>
-          <p:nvPr/>
-        </p:nvSpPr>
-        <p:spPr>
-          <a:xfrm>
-            <a:off x="7517880" y="3680640"/>
-            <a:ext cx="1223640" cy="431640"/>
-          </a:xfrm>
-          <a:prstGeom prst="rect">
-            <a:avLst/>
-          </a:prstGeom>
-          <a:solidFill>
-            <a:srgbClr val="4f81bd"/>
-          </a:solidFill>
-          <a:ln w="25560">
-            <a:solidFill>
-              <a:srgbClr val="3a5f8b"/>
-            </a:solidFill>
-            <a:round/>
-          </a:ln>
-        </p:spPr>
-        <p:txBody>
-          <a:bodyPr lIns="90000" rIns="90000" tIns="45000" bIns="45000" anchor="ctr"/>
-          <a:p>
-            <a:pPr algn="ctr">
-              <a:lnSpc>
-                <a:spcPct val="100000"/>
-              </a:lnSpc>
-            </a:pPr>
-            <a:r>
-              <a:rPr lang="fr-FR" sz="1400">
-                <a:solidFill>
-                  <a:srgbClr val="ffffff"/>
-                </a:solidFill>
-                <a:latin typeface="Calibri"/>
-              </a:rPr>
-              <a:t>isSub()</a:t>
-            </a:r>
-            <a:endParaRPr/>
-          </a:p>
-        </p:txBody>
-      </p:sp>
-      <p:sp>
-        <p:nvSpPr>
-          <p:cNvPr id="155" name="CustomShape 10"/>
-          <p:cNvSpPr/>
-          <p:nvPr/>
-        </p:nvSpPr>
-        <p:spPr>
-          <a:xfrm>
-            <a:off x="7517880" y="4215240"/>
-            <a:ext cx="1223640" cy="401040"/>
-          </a:xfrm>
-          <a:prstGeom prst="rect">
-            <a:avLst/>
-          </a:prstGeom>
-          <a:solidFill>
-            <a:srgbClr val="9bbb59"/>
-          </a:solidFill>
-          <a:ln w="25560">
-            <a:solidFill>
-              <a:srgbClr val="728a41"/>
-            </a:solidFill>
-            <a:round/>
-          </a:ln>
-        </p:spPr>
-        <p:txBody>
-          <a:bodyPr lIns="90000" rIns="90000" tIns="45000" bIns="45000" anchor="ctr"/>
-          <a:p>
-            <a:pPr algn="ctr">
-              <a:lnSpc>
-                <a:spcPct val="100000"/>
-              </a:lnSpc>
-            </a:pPr>
-            <a:r>
-              <a:rPr b="1" lang="fr-FR" sz="1400">
-                <a:solidFill>
-                  <a:srgbClr val="ffffff"/>
-                </a:solidFill>
-                <a:latin typeface="Calibri"/>
-              </a:rPr>
-              <a:t>Other</a:t>
-            </a:r>
-            <a:endParaRPr/>
-          </a:p>
-        </p:txBody>
-      </p:sp>
-      <p:sp>
-        <p:nvSpPr>
-          <p:cNvPr id="156" name="CustomShape 11"/>
-          <p:cNvSpPr/>
-          <p:nvPr/>
-        </p:nvSpPr>
-        <p:spPr>
-          <a:xfrm>
-            <a:off x="3230640" y="2853000"/>
-            <a:ext cx="1989000" cy="516600"/>
-          </a:xfrm>
-          <a:prstGeom prst="rect">
-            <a:avLst/>
-          </a:prstGeom>
-          <a:noFill/>
-          <a:ln>
-            <a:solidFill>
-              <a:srgbClr val="000000"/>
-            </a:solidFill>
-          </a:ln>
-        </p:spPr>
-        <p:txBody>
-          <a:bodyPr lIns="90000" rIns="90000" tIns="45000" bIns="45000"/>
-          <a:p>
             <a:pPr algn="ctr"/>
             <a:r>
               <a:rPr lang="fr-FR" sz="1400">
@@ -6577,279 +6172,25 @@
       </p:sp>
       <p:sp>
         <p:nvSpPr>
-          <p:cNvPr id="157" name="CustomShape 12"/>
-          <p:cNvSpPr/>
-          <p:nvPr/>
-        </p:nvSpPr>
-        <p:spPr>
-          <a:xfrm>
-            <a:off x="3662640" y="3710880"/>
-            <a:ext cx="1223640" cy="431640"/>
-          </a:xfrm>
-          <a:prstGeom prst="rect">
-            <a:avLst/>
-          </a:prstGeom>
-          <a:solidFill>
-            <a:srgbClr val="4f81bd"/>
-          </a:solidFill>
+          <p:cNvPr id="146" name="Line 3"/>
+          <p:cNvSpPr/>
+          <p:nvPr/>
+        </p:nvSpPr>
+        <p:spPr>
+          <a:xfrm>
+            <a:off x="4536000" y="1208520"/>
+            <a:ext cx="0" cy="1684800"/>
+          </a:xfrm>
+          <a:prstGeom prst="line">
+            <a:avLst/>
+          </a:prstGeom>
           <a:ln>
             <a:solidFill>
-              <a:srgbClr val="3a5f8b"/>
-            </a:solidFill>
-          </a:ln>
-        </p:spPr>
-        <p:txBody>
-          <a:bodyPr lIns="77040" rIns="77040" tIns="32040" bIns="32040" anchor="ctr"/>
-          <a:p>
-            <a:pPr algn="ctr">
-              <a:lnSpc>
-                <a:spcPct val="100000"/>
-              </a:lnSpc>
-            </a:pPr>
-            <a:r>
-              <a:rPr lang="fr-FR" sz="1400">
-                <a:solidFill>
-                  <a:srgbClr val="ffffff"/>
-                </a:solidFill>
-                <a:latin typeface="Calibri"/>
-              </a:rPr>
-              <a:t>isPeer()</a:t>
-            </a:r>
-            <a:endParaRPr/>
-          </a:p>
-        </p:txBody>
-      </p:sp>
-      <p:sp>
-        <p:nvSpPr>
-          <p:cNvPr id="158" name="CustomShape 13"/>
-          <p:cNvSpPr/>
-          <p:nvPr/>
-        </p:nvSpPr>
-        <p:spPr>
-          <a:xfrm>
-            <a:off x="4573080" y="1062000"/>
-            <a:ext cx="1504080" cy="1796760"/>
-          </a:xfrm>
-          <a:prstGeom prst="straightConnector1">
-            <a:avLst/>
-          </a:prstGeom>
-          <a:noFill/>
-          <a:ln w="9360">
-            <a:solidFill>
               <a:srgbClr val="000000"/>
             </a:solidFill>
-            <a:round/>
-            <a:tailEnd len="med" type="arrow" w="med"/>
-          </a:ln>
-        </p:spPr>
-      </p:sp>
-      <p:sp>
-        <p:nvSpPr>
-          <p:cNvPr id="159" name="CustomShape 14"/>
-          <p:cNvSpPr/>
-          <p:nvPr/>
-        </p:nvSpPr>
-        <p:spPr>
-          <a:xfrm>
-            <a:off x="5362920" y="2859120"/>
-            <a:ext cx="1428480" cy="516600"/>
-          </a:xfrm>
-          <a:prstGeom prst="rect">
-            <a:avLst/>
-          </a:prstGeom>
-          <a:noFill/>
-          <a:ln>
-            <a:solidFill>
-              <a:srgbClr val="000000"/>
-            </a:solidFill>
-          </a:ln>
-        </p:spPr>
-        <p:txBody>
-          <a:bodyPr lIns="90000" rIns="90000" tIns="45000" bIns="45000"/>
-          <a:p>
-            <a:pPr algn="ctr">
-              <a:lnSpc>
-                <a:spcPct val="100000"/>
-              </a:lnSpc>
-            </a:pPr>
-            <a:r>
-              <a:rPr lang="fr-FR" sz="1400">
-                <a:solidFill>
-                  <a:srgbClr val="000000"/>
-                </a:solidFill>
-                <a:latin typeface="Calibri"/>
-              </a:rPr>
-              <a:t>Propose (ProposalO)</a:t>
-            </a:r>
-            <a:endParaRPr/>
-          </a:p>
-        </p:txBody>
-      </p:sp>
-      <p:sp>
-        <p:nvSpPr>
-          <p:cNvPr id="160" name="CustomShape 15"/>
-          <p:cNvSpPr/>
-          <p:nvPr/>
-        </p:nvSpPr>
-        <p:spPr>
-          <a:xfrm>
-            <a:off x="5465520" y="3717000"/>
-            <a:ext cx="1223640" cy="431640"/>
-          </a:xfrm>
-          <a:prstGeom prst="rect">
-            <a:avLst/>
-          </a:prstGeom>
-          <a:solidFill>
-            <a:srgbClr val="4f81bd"/>
-          </a:solidFill>
-          <a:ln>
-            <a:solidFill>
-              <a:srgbClr val="3a5f8b"/>
-            </a:solidFill>
-          </a:ln>
-        </p:spPr>
-        <p:txBody>
-          <a:bodyPr lIns="77040" rIns="77040" tIns="32040" bIns="32040" anchor="ctr"/>
-          <a:p>
-            <a:pPr algn="ctr">
-              <a:lnSpc>
-                <a:spcPct val="100000"/>
-              </a:lnSpc>
-            </a:pPr>
-            <a:r>
-              <a:rPr lang="fr-FR" sz="1400">
-                <a:solidFill>
-                  <a:srgbClr val="ffffff"/>
-                </a:solidFill>
-                <a:latin typeface="Calibri"/>
-              </a:rPr>
-              <a:t>notIsSub()</a:t>
-            </a:r>
-            <a:endParaRPr/>
-          </a:p>
-        </p:txBody>
-      </p:sp>
-      <p:sp>
-        <p:nvSpPr>
-          <p:cNvPr id="161" name="CustomShape 16"/>
-          <p:cNvSpPr/>
-          <p:nvPr/>
-        </p:nvSpPr>
-        <p:spPr>
-          <a:xfrm>
-            <a:off x="5465520" y="4217760"/>
-            <a:ext cx="1223640" cy="578880"/>
-          </a:xfrm>
-          <a:prstGeom prst="rect">
-            <a:avLst/>
-          </a:prstGeom>
-          <a:solidFill>
-            <a:srgbClr val="9bbb59"/>
-          </a:solidFill>
-          <a:ln>
-            <a:solidFill>
-              <a:srgbClr val="728a41"/>
-            </a:solidFill>
-          </a:ln>
-        </p:spPr>
-        <p:txBody>
-          <a:bodyPr lIns="77040" rIns="77040" tIns="32040" bIns="32040" anchor="ctr"/>
-          <a:p>
-            <a:pPr algn="ctr">
-              <a:lnSpc>
-                <a:spcPct val="100000"/>
-              </a:lnSpc>
-            </a:pPr>
-            <a:r>
-              <a:rPr b="1" lang="fr-FR" sz="1400">
-                <a:solidFill>
-                  <a:srgbClr val="ffffff"/>
-                </a:solidFill>
-                <a:latin typeface="Calibri"/>
-              </a:rPr>
-              <a:t>Other</a:t>
-            </a:r>
-            <a:endParaRPr/>
-          </a:p>
-          <a:p>
-            <a:pPr algn="ctr">
-              <a:lnSpc>
-                <a:spcPct val="100000"/>
-              </a:lnSpc>
-            </a:pPr>
-            <a:r>
-              <a:rPr b="1" lang="fr-FR" sz="1400">
-                <a:solidFill>
-                  <a:srgbClr val="ffffff"/>
-                </a:solidFill>
-                <a:latin typeface="Calibri"/>
-              </a:rPr>
-              <a:t>Flow</a:t>
-            </a:r>
-            <a:endParaRPr/>
-          </a:p>
-        </p:txBody>
-      </p:sp>
-      <p:sp>
-        <p:nvSpPr>
-          <p:cNvPr id="162" name="CustomShape 17"/>
-          <p:cNvSpPr/>
-          <p:nvPr/>
-        </p:nvSpPr>
-        <p:spPr>
-          <a:xfrm>
-            <a:off x="3662640" y="4218120"/>
-            <a:ext cx="1223640" cy="578880"/>
-          </a:xfrm>
-          <a:prstGeom prst="rect">
-            <a:avLst/>
-          </a:prstGeom>
-          <a:solidFill>
-            <a:srgbClr val="9bbb59"/>
-          </a:solidFill>
-          <a:ln>
-            <a:solidFill>
-              <a:srgbClr val="728a41"/>
-            </a:solidFill>
-          </a:ln>
-        </p:spPr>
-        <p:txBody>
-          <a:bodyPr lIns="77040" rIns="77040" tIns="32040" bIns="32040" anchor="ctr"/>
-          <a:p>
-            <a:pPr algn="ctr">
-              <a:lnSpc>
-                <a:spcPct val="100000"/>
-              </a:lnSpc>
-            </a:pPr>
-            <a:r>
-              <a:rPr b="1" lang="fr-FR" sz="1400">
-                <a:solidFill>
-                  <a:srgbClr val="ffffff"/>
-                </a:solidFill>
-                <a:latin typeface="Calibri"/>
-              </a:rPr>
-              <a:t>Other</a:t>
-            </a:r>
-            <a:endParaRPr/>
-          </a:p>
-          <a:p>
-            <a:pPr algn="ctr">
-              <a:lnSpc>
-                <a:spcPct val="100000"/>
-              </a:lnSpc>
-            </a:pPr>
-            <a:r>
-              <a:rPr b="1" lang="fr-FR" sz="1400">
-                <a:solidFill>
-                  <a:srgbClr val="ffffff"/>
-                </a:solidFill>
-                <a:latin typeface="Calibri"/>
-              </a:rPr>
-              <a:t>Flow</a:t>
-            </a:r>
-            <a:endParaRPr/>
-          </a:p>
-        </p:txBody>
+            <a:tailEnd len="med" type="triangle" w="med"/>
+          </a:ln>
+        </p:spPr>
       </p:sp>
     </p:spTree>
   </p:cSld>
@@ -6860,6 +6201,790 @@
           <p:childTnLst>
             <p:seq>
               <p:cTn id="10" nodeType="mainSeq"/>
+              <p:prevCondLst>
+                <p:cond delay="0" evt="onPrev">
+                  <p:tgtEl>
+                    <p:sldTgt/>
+                  </p:tgtEl>
+                </p:cond>
+              </p:prevCondLst>
+              <p:nextCondLst>
+                <p:cond delay="0" evt="onNext">
+                  <p:tgtEl>
+                    <p:sldTgt/>
+                  </p:tgtEl>
+                </p:cond>
+              </p:nextCondLst>
+            </p:seq>
+          </p:childTnLst>
+        </p:cTn>
+      </p:par>
+    </p:tnLst>
+  </p:timing>
+</p:sld>
+</file>
+
+<file path=ppt/slides/slide6.xml><?xml version="1.0" encoding="utf-8"?>
+<p:sld xmlns:a="http://schemas.openxmlformats.org/drawingml/2006/main" xmlns:p="http://schemas.openxmlformats.org/presentationml/2006/main" xmlns:r="http://schemas.openxmlformats.org/officeDocument/2006/relationships">
+  <p:cSld>
+    <p:spTree>
+      <p:nvGrpSpPr>
+        <p:cNvPr id="1" name=""/>
+        <p:cNvGrpSpPr/>
+        <p:nvPr/>
+      </p:nvGrpSpPr>
+      <p:grpSpPr>
+        <a:xfrm>
+          <a:off x="0" y="0"/>
+          <a:ext cx="0" cy="0"/>
+          <a:chOff x="0" y="0"/>
+          <a:chExt cx="0" cy="0"/>
+        </a:xfrm>
+      </p:grpSpPr>
+      <p:sp>
+        <p:nvSpPr>
+          <p:cNvPr id="147" name="CustomShape 1"/>
+          <p:cNvSpPr/>
+          <p:nvPr/>
+        </p:nvSpPr>
+        <p:spPr>
+          <a:xfrm>
+            <a:off x="3529080" y="692640"/>
+            <a:ext cx="2088000" cy="333720"/>
+          </a:xfrm>
+          <a:prstGeom prst="rect">
+            <a:avLst/>
+          </a:prstGeom>
+          <a:noFill/>
+          <a:ln>
+            <a:solidFill>
+              <a:srgbClr val="000000"/>
+            </a:solidFill>
+          </a:ln>
+        </p:spPr>
+        <p:txBody>
+          <a:bodyPr lIns="90000" rIns="90000" tIns="45000" bIns="45000"/>
+          <a:p>
+            <a:pPr algn="ctr">
+              <a:lnSpc>
+                <a:spcPct val="100000"/>
+              </a:lnSpc>
+            </a:pPr>
+            <a:r>
+              <a:rPr lang="fr-FR" sz="1600">
+                <a:solidFill>
+                  <a:srgbClr val="000000"/>
+                </a:solidFill>
+                <a:latin typeface="Calibri"/>
+              </a:rPr>
+              <a:t>Reject(Option)</a:t>
+            </a:r>
+            <a:endParaRPr/>
+          </a:p>
+        </p:txBody>
+      </p:sp>
+      <p:sp>
+        <p:nvSpPr>
+          <p:cNvPr id="148" name="CustomShape 2"/>
+          <p:cNvSpPr/>
+          <p:nvPr/>
+        </p:nvSpPr>
+        <p:spPr>
+          <a:xfrm>
+            <a:off x="4573080" y="1062000"/>
+            <a:ext cx="3431160" cy="1796760"/>
+          </a:xfrm>
+          <a:prstGeom prst="straightConnector1">
+            <a:avLst/>
+          </a:prstGeom>
+          <a:noFill/>
+          <a:ln w="9360">
+            <a:solidFill>
+              <a:srgbClr val="000000"/>
+            </a:solidFill>
+            <a:round/>
+            <a:tailEnd len="med" type="arrow" w="med"/>
+          </a:ln>
+        </p:spPr>
+      </p:sp>
+      <p:sp>
+        <p:nvSpPr>
+          <p:cNvPr id="149" name="CustomShape 3"/>
+          <p:cNvSpPr/>
+          <p:nvPr/>
+        </p:nvSpPr>
+        <p:spPr>
+          <a:xfrm flipH="1">
+            <a:off x="2262240" y="1062000"/>
+            <a:ext cx="2310480" cy="1790640"/>
+          </a:xfrm>
+          <a:prstGeom prst="straightConnector1">
+            <a:avLst/>
+          </a:prstGeom>
+          <a:noFill/>
+          <a:ln w="9360">
+            <a:solidFill>
+              <a:srgbClr val="000000"/>
+            </a:solidFill>
+            <a:round/>
+            <a:tailEnd len="med" type="arrow" w="med"/>
+          </a:ln>
+        </p:spPr>
+      </p:sp>
+      <p:sp>
+        <p:nvSpPr>
+          <p:cNvPr id="150" name="CustomShape 4"/>
+          <p:cNvSpPr/>
+          <p:nvPr/>
+        </p:nvSpPr>
+        <p:spPr>
+          <a:xfrm flipH="1">
+            <a:off x="4224600" y="1062000"/>
+            <a:ext cx="347400" cy="1790640"/>
+          </a:xfrm>
+          <a:prstGeom prst="straightConnector1">
+            <a:avLst/>
+          </a:prstGeom>
+          <a:noFill/>
+          <a:ln w="9360">
+            <a:solidFill>
+              <a:srgbClr val="000000"/>
+            </a:solidFill>
+            <a:round/>
+            <a:tailEnd len="med" type="arrow" w="med"/>
+          </a:ln>
+        </p:spPr>
+      </p:sp>
+      <p:sp>
+        <p:nvSpPr>
+          <p:cNvPr id="151" name="CustomShape 5"/>
+          <p:cNvSpPr/>
+          <p:nvPr/>
+        </p:nvSpPr>
+        <p:spPr>
+          <a:xfrm>
+            <a:off x="1650240" y="4259880"/>
+            <a:ext cx="1223640" cy="569520"/>
+          </a:xfrm>
+          <a:prstGeom prst="rect">
+            <a:avLst/>
+          </a:prstGeom>
+          <a:solidFill>
+            <a:srgbClr val="9bbb59"/>
+          </a:solidFill>
+          <a:ln w="25560">
+            <a:solidFill>
+              <a:srgbClr val="728a41"/>
+            </a:solidFill>
+            <a:round/>
+          </a:ln>
+        </p:spPr>
+        <p:txBody>
+          <a:bodyPr lIns="90000" rIns="90000" tIns="45000" bIns="45000" anchor="ctr"/>
+          <a:p>
+            <a:pPr algn="ctr">
+              <a:lnSpc>
+                <a:spcPct val="100000"/>
+              </a:lnSpc>
+            </a:pPr>
+            <a:r>
+              <a:rPr b="1" lang="fr-FR" sz="1400">
+                <a:solidFill>
+                  <a:srgbClr val="ffffff"/>
+                </a:solidFill>
+                <a:latin typeface="Calibri"/>
+              </a:rPr>
+              <a:t>Demands</a:t>
+            </a:r>
+            <a:endParaRPr/>
+          </a:p>
+          <a:p>
+            <a:pPr algn="ctr">
+              <a:lnSpc>
+                <a:spcPct val="100000"/>
+              </a:lnSpc>
+            </a:pPr>
+            <a:r>
+              <a:rPr b="1" lang="fr-FR" sz="1400">
+                <a:solidFill>
+                  <a:srgbClr val="ffffff"/>
+                </a:solidFill>
+                <a:latin typeface="Calibri"/>
+              </a:rPr>
+              <a:t>Other</a:t>
+            </a:r>
+            <a:endParaRPr/>
+          </a:p>
+        </p:txBody>
+      </p:sp>
+      <p:sp>
+        <p:nvSpPr>
+          <p:cNvPr id="152" name="CustomShape 6"/>
+          <p:cNvSpPr/>
+          <p:nvPr/>
+        </p:nvSpPr>
+        <p:spPr>
+          <a:xfrm>
+            <a:off x="1547640" y="2853000"/>
+            <a:ext cx="1428480" cy="516600"/>
+          </a:xfrm>
+          <a:prstGeom prst="rect">
+            <a:avLst/>
+          </a:prstGeom>
+          <a:noFill/>
+          <a:ln>
+            <a:solidFill>
+              <a:srgbClr val="000000"/>
+            </a:solidFill>
+          </a:ln>
+        </p:spPr>
+        <p:txBody>
+          <a:bodyPr lIns="90000" rIns="90000" tIns="45000" bIns="45000"/>
+          <a:p>
+            <a:pPr algn="ctr">
+              <a:lnSpc>
+                <a:spcPct val="100000"/>
+              </a:lnSpc>
+            </a:pPr>
+            <a:r>
+              <a:rPr lang="fr-FR" sz="1400">
+                <a:solidFill>
+                  <a:srgbClr val="000000"/>
+                </a:solidFill>
+                <a:latin typeface="Calibri"/>
+              </a:rPr>
+              <a:t>Propose (Proposal)</a:t>
+            </a:r>
+            <a:endParaRPr/>
+          </a:p>
+        </p:txBody>
+      </p:sp>
+      <p:sp>
+        <p:nvSpPr>
+          <p:cNvPr id="153" name="CustomShape 7"/>
+          <p:cNvSpPr/>
+          <p:nvPr/>
+        </p:nvSpPr>
+        <p:spPr>
+          <a:xfrm>
+            <a:off x="1650240" y="3710880"/>
+            <a:ext cx="1223640" cy="431640"/>
+          </a:xfrm>
+          <a:prstGeom prst="rect">
+            <a:avLst/>
+          </a:prstGeom>
+          <a:solidFill>
+            <a:srgbClr val="4f81bd"/>
+          </a:solidFill>
+          <a:ln>
+            <a:solidFill>
+              <a:srgbClr val="3a5f8b"/>
+            </a:solidFill>
+          </a:ln>
+        </p:spPr>
+        <p:txBody>
+          <a:bodyPr lIns="77040" rIns="77040" tIns="32040" bIns="32040" anchor="ctr"/>
+          <a:p>
+            <a:pPr algn="ctr">
+              <a:lnSpc>
+                <a:spcPct val="100000"/>
+              </a:lnSpc>
+            </a:pPr>
+            <a:r>
+              <a:rPr lang="fr-FR" sz="1400">
+                <a:solidFill>
+                  <a:srgbClr val="ffffff"/>
+                </a:solidFill>
+                <a:latin typeface="Calibri"/>
+              </a:rPr>
+              <a:t>isDom()</a:t>
+            </a:r>
+            <a:endParaRPr/>
+          </a:p>
+        </p:txBody>
+      </p:sp>
+      <p:sp>
+        <p:nvSpPr>
+          <p:cNvPr id="154" name="CustomShape 8"/>
+          <p:cNvSpPr/>
+          <p:nvPr/>
+        </p:nvSpPr>
+        <p:spPr>
+          <a:xfrm>
+            <a:off x="7103880" y="2859120"/>
+            <a:ext cx="1800720" cy="516600"/>
+          </a:xfrm>
+          <a:prstGeom prst="rect">
+            <a:avLst/>
+          </a:prstGeom>
+          <a:noFill/>
+          <a:ln>
+            <a:solidFill>
+              <a:srgbClr val="000000"/>
+            </a:solidFill>
+          </a:ln>
+        </p:spPr>
+        <p:txBody>
+          <a:bodyPr lIns="90000" rIns="90000" tIns="45000" bIns="45000"/>
+          <a:p>
+            <a:pPr algn="ctr">
+              <a:lnSpc>
+                <a:spcPct val="100000"/>
+              </a:lnSpc>
+            </a:pPr>
+            <a:r>
+              <a:rPr lang="fr-FR" sz="1400">
+                <a:solidFill>
+                  <a:srgbClr val="000000"/>
+                </a:solidFill>
+                <a:latin typeface="Calibri"/>
+              </a:rPr>
+              <a:t>AskPreference</a:t>
+            </a:r>
+            <a:endParaRPr/>
+          </a:p>
+          <a:p>
+            <a:pPr algn="ctr">
+              <a:lnSpc>
+                <a:spcPct val="100000"/>
+              </a:lnSpc>
+            </a:pPr>
+            <a:r>
+              <a:rPr lang="fr-FR" sz="1400">
+                <a:solidFill>
+                  <a:srgbClr val="000000"/>
+                </a:solidFill>
+                <a:latin typeface="Calibri"/>
+              </a:rPr>
+              <a:t>(less,more)</a:t>
+            </a:r>
+            <a:endParaRPr/>
+          </a:p>
+        </p:txBody>
+      </p:sp>
+      <p:sp>
+        <p:nvSpPr>
+          <p:cNvPr id="155" name="CustomShape 9"/>
+          <p:cNvSpPr/>
+          <p:nvPr/>
+        </p:nvSpPr>
+        <p:spPr>
+          <a:xfrm>
+            <a:off x="7517880" y="3680640"/>
+            <a:ext cx="1223640" cy="431640"/>
+          </a:xfrm>
+          <a:prstGeom prst="rect">
+            <a:avLst/>
+          </a:prstGeom>
+          <a:solidFill>
+            <a:srgbClr val="4f81bd"/>
+          </a:solidFill>
+          <a:ln w="25560">
+            <a:solidFill>
+              <a:srgbClr val="3a5f8b"/>
+            </a:solidFill>
+            <a:round/>
+          </a:ln>
+        </p:spPr>
+        <p:txBody>
+          <a:bodyPr lIns="90000" rIns="90000" tIns="45000" bIns="45000" anchor="ctr"/>
+          <a:p>
+            <a:pPr algn="ctr">
+              <a:lnSpc>
+                <a:spcPct val="100000"/>
+              </a:lnSpc>
+            </a:pPr>
+            <a:r>
+              <a:rPr lang="fr-FR" sz="1400">
+                <a:solidFill>
+                  <a:srgbClr val="ffffff"/>
+                </a:solidFill>
+                <a:latin typeface="Calibri"/>
+              </a:rPr>
+              <a:t>isSub()</a:t>
+            </a:r>
+            <a:endParaRPr/>
+          </a:p>
+        </p:txBody>
+      </p:sp>
+      <p:sp>
+        <p:nvSpPr>
+          <p:cNvPr id="156" name="CustomShape 10"/>
+          <p:cNvSpPr/>
+          <p:nvPr/>
+        </p:nvSpPr>
+        <p:spPr>
+          <a:xfrm>
+            <a:off x="7517880" y="4215240"/>
+            <a:ext cx="1223640" cy="401040"/>
+          </a:xfrm>
+          <a:prstGeom prst="rect">
+            <a:avLst/>
+          </a:prstGeom>
+          <a:solidFill>
+            <a:srgbClr val="9bbb59"/>
+          </a:solidFill>
+          <a:ln w="25560">
+            <a:solidFill>
+              <a:srgbClr val="728a41"/>
+            </a:solidFill>
+            <a:round/>
+          </a:ln>
+        </p:spPr>
+        <p:txBody>
+          <a:bodyPr lIns="90000" rIns="90000" tIns="45000" bIns="45000" anchor="ctr"/>
+          <a:p>
+            <a:pPr algn="ctr">
+              <a:lnSpc>
+                <a:spcPct val="100000"/>
+              </a:lnSpc>
+            </a:pPr>
+            <a:r>
+              <a:rPr b="1" lang="fr-FR" sz="1400">
+                <a:solidFill>
+                  <a:srgbClr val="ffffff"/>
+                </a:solidFill>
+                <a:latin typeface="Calibri"/>
+              </a:rPr>
+              <a:t>Other</a:t>
+            </a:r>
+            <a:endParaRPr/>
+          </a:p>
+        </p:txBody>
+      </p:sp>
+      <p:sp>
+        <p:nvSpPr>
+          <p:cNvPr id="157" name="CustomShape 11"/>
+          <p:cNvSpPr/>
+          <p:nvPr/>
+        </p:nvSpPr>
+        <p:spPr>
+          <a:xfrm>
+            <a:off x="3230640" y="2853000"/>
+            <a:ext cx="1989000" cy="516600"/>
+          </a:xfrm>
+          <a:prstGeom prst="rect">
+            <a:avLst/>
+          </a:prstGeom>
+          <a:noFill/>
+          <a:ln>
+            <a:solidFill>
+              <a:srgbClr val="000000"/>
+            </a:solidFill>
+          </a:ln>
+        </p:spPr>
+        <p:txBody>
+          <a:bodyPr lIns="90000" rIns="90000" tIns="45000" bIns="45000"/>
+          <a:p>
+            <a:pPr algn="ctr"/>
+            <a:r>
+              <a:rPr lang="fr-FR" sz="1400">
+                <a:latin typeface="Arial"/>
+              </a:rPr>
+              <a:t>StatePreference</a:t>
+            </a:r>
+            <a:endParaRPr/>
+          </a:p>
+          <a:p>
+            <a:pPr algn="ctr"/>
+            <a:r>
+              <a:rPr lang="fr-FR" sz="1400">
+                <a:solidFill>
+                  <a:srgbClr val="000000"/>
+                </a:solidFill>
+                <a:latin typeface="Calibri"/>
+              </a:rPr>
+              <a:t>(less,more)</a:t>
+            </a:r>
+            <a:endParaRPr/>
+          </a:p>
+        </p:txBody>
+      </p:sp>
+      <p:sp>
+        <p:nvSpPr>
+          <p:cNvPr id="158" name="CustomShape 12"/>
+          <p:cNvSpPr/>
+          <p:nvPr/>
+        </p:nvSpPr>
+        <p:spPr>
+          <a:xfrm>
+            <a:off x="3662640" y="3710880"/>
+            <a:ext cx="1223640" cy="431640"/>
+          </a:xfrm>
+          <a:prstGeom prst="rect">
+            <a:avLst/>
+          </a:prstGeom>
+          <a:solidFill>
+            <a:srgbClr val="4f81bd"/>
+          </a:solidFill>
+          <a:ln>
+            <a:solidFill>
+              <a:srgbClr val="3a5f8b"/>
+            </a:solidFill>
+          </a:ln>
+        </p:spPr>
+        <p:txBody>
+          <a:bodyPr lIns="77040" rIns="77040" tIns="32040" bIns="32040" anchor="ctr"/>
+          <a:p>
+            <a:pPr algn="ctr">
+              <a:lnSpc>
+                <a:spcPct val="100000"/>
+              </a:lnSpc>
+            </a:pPr>
+            <a:r>
+              <a:rPr lang="fr-FR" sz="1400">
+                <a:solidFill>
+                  <a:srgbClr val="ffffff"/>
+                </a:solidFill>
+                <a:latin typeface="Calibri"/>
+              </a:rPr>
+              <a:t>isPeer()</a:t>
+            </a:r>
+            <a:endParaRPr/>
+          </a:p>
+        </p:txBody>
+      </p:sp>
+      <p:sp>
+        <p:nvSpPr>
+          <p:cNvPr id="159" name="CustomShape 13"/>
+          <p:cNvSpPr/>
+          <p:nvPr/>
+        </p:nvSpPr>
+        <p:spPr>
+          <a:xfrm>
+            <a:off x="4573080" y="1062000"/>
+            <a:ext cx="1504080" cy="1796760"/>
+          </a:xfrm>
+          <a:prstGeom prst="straightConnector1">
+            <a:avLst/>
+          </a:prstGeom>
+          <a:noFill/>
+          <a:ln w="9360">
+            <a:solidFill>
+              <a:srgbClr val="000000"/>
+            </a:solidFill>
+            <a:round/>
+            <a:tailEnd len="med" type="arrow" w="med"/>
+          </a:ln>
+        </p:spPr>
+      </p:sp>
+      <p:sp>
+        <p:nvSpPr>
+          <p:cNvPr id="160" name="CustomShape 14"/>
+          <p:cNvSpPr/>
+          <p:nvPr/>
+        </p:nvSpPr>
+        <p:spPr>
+          <a:xfrm>
+            <a:off x="5362920" y="2859120"/>
+            <a:ext cx="1428480" cy="516600"/>
+          </a:xfrm>
+          <a:prstGeom prst="rect">
+            <a:avLst/>
+          </a:prstGeom>
+          <a:noFill/>
+          <a:ln>
+            <a:solidFill>
+              <a:srgbClr val="000000"/>
+            </a:solidFill>
+          </a:ln>
+        </p:spPr>
+        <p:txBody>
+          <a:bodyPr lIns="90000" rIns="90000" tIns="45000" bIns="45000"/>
+          <a:p>
+            <a:pPr algn="ctr">
+              <a:lnSpc>
+                <a:spcPct val="100000"/>
+              </a:lnSpc>
+            </a:pPr>
+            <a:r>
+              <a:rPr lang="fr-FR" sz="1400">
+                <a:solidFill>
+                  <a:srgbClr val="000000"/>
+                </a:solidFill>
+                <a:latin typeface="Calibri"/>
+              </a:rPr>
+              <a:t>Propose (ProposalO)</a:t>
+            </a:r>
+            <a:endParaRPr/>
+          </a:p>
+        </p:txBody>
+      </p:sp>
+      <p:sp>
+        <p:nvSpPr>
+          <p:cNvPr id="161" name="CustomShape 15"/>
+          <p:cNvSpPr/>
+          <p:nvPr/>
+        </p:nvSpPr>
+        <p:spPr>
+          <a:xfrm>
+            <a:off x="5465520" y="3717000"/>
+            <a:ext cx="1223640" cy="431640"/>
+          </a:xfrm>
+          <a:prstGeom prst="rect">
+            <a:avLst/>
+          </a:prstGeom>
+          <a:solidFill>
+            <a:srgbClr val="4f81bd"/>
+          </a:solidFill>
+          <a:ln>
+            <a:solidFill>
+              <a:srgbClr val="3a5f8b"/>
+            </a:solidFill>
+          </a:ln>
+        </p:spPr>
+        <p:txBody>
+          <a:bodyPr lIns="77040" rIns="77040" tIns="32040" bIns="32040" anchor="ctr"/>
+          <a:p>
+            <a:pPr algn="ctr">
+              <a:lnSpc>
+                <a:spcPct val="100000"/>
+              </a:lnSpc>
+            </a:pPr>
+            <a:r>
+              <a:rPr lang="fr-FR" sz="1400">
+                <a:solidFill>
+                  <a:srgbClr val="ffffff"/>
+                </a:solidFill>
+                <a:latin typeface="Calibri"/>
+              </a:rPr>
+              <a:t>notIsSub()</a:t>
+            </a:r>
+            <a:endParaRPr/>
+          </a:p>
+        </p:txBody>
+      </p:sp>
+      <p:sp>
+        <p:nvSpPr>
+          <p:cNvPr id="162" name="CustomShape 16"/>
+          <p:cNvSpPr/>
+          <p:nvPr/>
+        </p:nvSpPr>
+        <p:spPr>
+          <a:xfrm>
+            <a:off x="5465520" y="4217760"/>
+            <a:ext cx="1223640" cy="578880"/>
+          </a:xfrm>
+          <a:prstGeom prst="rect">
+            <a:avLst/>
+          </a:prstGeom>
+          <a:solidFill>
+            <a:srgbClr val="9bbb59"/>
+          </a:solidFill>
+          <a:ln>
+            <a:solidFill>
+              <a:srgbClr val="728a41"/>
+            </a:solidFill>
+          </a:ln>
+        </p:spPr>
+        <p:txBody>
+          <a:bodyPr lIns="77040" rIns="77040" tIns="32040" bIns="32040" anchor="ctr"/>
+          <a:p>
+            <a:pPr algn="ctr">
+              <a:lnSpc>
+                <a:spcPct val="100000"/>
+              </a:lnSpc>
+            </a:pPr>
+            <a:r>
+              <a:rPr b="1" lang="fr-FR" sz="1400">
+                <a:solidFill>
+                  <a:srgbClr val="ffffff"/>
+                </a:solidFill>
+                <a:latin typeface="Calibri"/>
+              </a:rPr>
+              <a:t>Other</a:t>
+            </a:r>
+            <a:endParaRPr/>
+          </a:p>
+          <a:p>
+            <a:pPr algn="ctr">
+              <a:lnSpc>
+                <a:spcPct val="100000"/>
+              </a:lnSpc>
+            </a:pPr>
+            <a:r>
+              <a:rPr b="1" lang="fr-FR" sz="1400">
+                <a:solidFill>
+                  <a:srgbClr val="ffffff"/>
+                </a:solidFill>
+                <a:latin typeface="Calibri"/>
+              </a:rPr>
+              <a:t>Flow</a:t>
+            </a:r>
+            <a:endParaRPr/>
+          </a:p>
+        </p:txBody>
+      </p:sp>
+      <p:sp>
+        <p:nvSpPr>
+          <p:cNvPr id="163" name="CustomShape 17"/>
+          <p:cNvSpPr/>
+          <p:nvPr/>
+        </p:nvSpPr>
+        <p:spPr>
+          <a:xfrm>
+            <a:off x="3662640" y="4218120"/>
+            <a:ext cx="1223640" cy="578880"/>
+          </a:xfrm>
+          <a:prstGeom prst="rect">
+            <a:avLst/>
+          </a:prstGeom>
+          <a:solidFill>
+            <a:srgbClr val="9bbb59"/>
+          </a:solidFill>
+          <a:ln>
+            <a:solidFill>
+              <a:srgbClr val="728a41"/>
+            </a:solidFill>
+          </a:ln>
+        </p:spPr>
+        <p:txBody>
+          <a:bodyPr lIns="77040" rIns="77040" tIns="32040" bIns="32040" anchor="ctr"/>
+          <a:p>
+            <a:pPr algn="ctr">
+              <a:lnSpc>
+                <a:spcPct val="100000"/>
+              </a:lnSpc>
+            </a:pPr>
+            <a:r>
+              <a:rPr b="1" lang="fr-FR" sz="1400">
+                <a:solidFill>
+                  <a:srgbClr val="ffffff"/>
+                </a:solidFill>
+                <a:latin typeface="Calibri"/>
+              </a:rPr>
+              <a:t>Other</a:t>
+            </a:r>
+            <a:endParaRPr/>
+          </a:p>
+          <a:p>
+            <a:pPr algn="ctr">
+              <a:lnSpc>
+                <a:spcPct val="100000"/>
+              </a:lnSpc>
+            </a:pPr>
+            <a:r>
+              <a:rPr b="1" lang="fr-FR" sz="1400">
+                <a:solidFill>
+                  <a:srgbClr val="ffffff"/>
+                </a:solidFill>
+                <a:latin typeface="Calibri"/>
+              </a:rPr>
+              <a:t>Flow</a:t>
+            </a:r>
+            <a:endParaRPr/>
+          </a:p>
+        </p:txBody>
+      </p:sp>
+    </p:spTree>
+  </p:cSld>
+  <p:timing>
+    <p:tnLst>
+      <p:par>
+        <p:cTn id="11" dur="indefinite" restart="never" nodeType="tmRoot">
+          <p:childTnLst>
+            <p:seq>
+              <p:cTn id="12" nodeType="mainSeq"/>
               <p:prevCondLst>
                 <p:cond delay="0" evt="onPrev">
                   <p:tgtEl>
